--- a/Java 相關/Stream 簡介.pptx
+++ b/Java 相關/Stream 簡介.pptx
@@ -10,6 +10,7 @@
     <p:sldId id="258" r:id="rId4"/>
     <p:sldId id="259" r:id="rId5"/>
     <p:sldId id="260" r:id="rId6"/>
+    <p:sldId id="261" r:id="rId7"/>
   </p:sldIdLst>
   <p:sldSz cx="12192000" cy="6858000"/>
   <p:notesSz cx="6858000" cy="9144000"/>
@@ -108,6 +109,11 @@
       </a:defRPr>
     </a:lvl9pPr>
   </p:defaultTextStyle>
+  <p:extLst>
+    <p:ext uri="{EFAFB233-063F-42B5-8137-9DF3F51BA10A}">
+      <p15:sldGuideLst xmlns:p15="http://schemas.microsoft.com/office/powerpoint/2012/main"/>
+    </p:ext>
+  </p:extLst>
 </p:presentation>
 </file>
 
@@ -337,7 +343,7 @@
           <a:p>
             <a:fld id="{669E44F6-2B28-46BC-9F9A-91A60247A190}" type="datetimeFigureOut">
               <a:rPr lang="zh-TW" altLang="en-US" smtClean="0"/>
-              <a:t>2023/11/13</a:t>
+              <a:t>2023/11/14</a:t>
             </a:fld>
             <a:endParaRPr lang="zh-TW" altLang="en-US"/>
           </a:p>
@@ -545,7 +551,7 @@
           <a:p>
             <a:fld id="{669E44F6-2B28-46BC-9F9A-91A60247A190}" type="datetimeFigureOut">
               <a:rPr lang="zh-TW" altLang="en-US" smtClean="0"/>
-              <a:t>2023/11/13</a:t>
+              <a:t>2023/11/14</a:t>
             </a:fld>
             <a:endParaRPr lang="zh-TW" altLang="en-US"/>
           </a:p>
@@ -801,7 +807,7 @@
           <a:p>
             <a:fld id="{669E44F6-2B28-46BC-9F9A-91A60247A190}" type="datetimeFigureOut">
               <a:rPr lang="zh-TW" altLang="en-US" smtClean="0"/>
-              <a:t>2023/11/13</a:t>
+              <a:t>2023/11/14</a:t>
             </a:fld>
             <a:endParaRPr lang="zh-TW" altLang="en-US"/>
           </a:p>
@@ -975,7 +981,7 @@
           <a:p>
             <a:fld id="{669E44F6-2B28-46BC-9F9A-91A60247A190}" type="datetimeFigureOut">
               <a:rPr lang="zh-TW" altLang="en-US" smtClean="0"/>
-              <a:t>2023/11/13</a:t>
+              <a:t>2023/11/14</a:t>
             </a:fld>
             <a:endParaRPr lang="zh-TW" altLang="en-US"/>
           </a:p>
@@ -1318,7 +1324,7 @@
           <a:p>
             <a:fld id="{669E44F6-2B28-46BC-9F9A-91A60247A190}" type="datetimeFigureOut">
               <a:rPr lang="zh-TW" altLang="en-US" smtClean="0"/>
-              <a:t>2023/11/13</a:t>
+              <a:t>2023/11/14</a:t>
             </a:fld>
             <a:endParaRPr lang="zh-TW" altLang="en-US"/>
           </a:p>
@@ -1593,7 +1599,7 @@
           <a:p>
             <a:fld id="{669E44F6-2B28-46BC-9F9A-91A60247A190}" type="datetimeFigureOut">
               <a:rPr lang="zh-TW" altLang="en-US" smtClean="0"/>
-              <a:t>2023/11/13</a:t>
+              <a:t>2023/11/14</a:t>
             </a:fld>
             <a:endParaRPr lang="zh-TW" altLang="en-US"/>
           </a:p>
@@ -1972,7 +1978,7 @@
           <a:p>
             <a:fld id="{669E44F6-2B28-46BC-9F9A-91A60247A190}" type="datetimeFigureOut">
               <a:rPr lang="zh-TW" altLang="en-US" smtClean="0"/>
-              <a:t>2023/11/13</a:t>
+              <a:t>2023/11/14</a:t>
             </a:fld>
             <a:endParaRPr lang="zh-TW" altLang="en-US"/>
           </a:p>
@@ -2090,7 +2096,7 @@
           <a:p>
             <a:fld id="{669E44F6-2B28-46BC-9F9A-91A60247A190}" type="datetimeFigureOut">
               <a:rPr lang="zh-TW" altLang="en-US" smtClean="0"/>
-              <a:t>2023/11/13</a:t>
+              <a:t>2023/11/14</a:t>
             </a:fld>
             <a:endParaRPr lang="zh-TW" altLang="en-US"/>
           </a:p>
@@ -2261,7 +2267,7 @@
           <a:p>
             <a:fld id="{669E44F6-2B28-46BC-9F9A-91A60247A190}" type="datetimeFigureOut">
               <a:rPr lang="zh-TW" altLang="en-US" smtClean="0"/>
-              <a:t>2023/11/13</a:t>
+              <a:t>2023/11/14</a:t>
             </a:fld>
             <a:endParaRPr lang="zh-TW" altLang="en-US"/>
           </a:p>
@@ -2615,7 +2621,7 @@
           <a:p>
             <a:fld id="{669E44F6-2B28-46BC-9F9A-91A60247A190}" type="datetimeFigureOut">
               <a:rPr lang="zh-TW" altLang="en-US" smtClean="0"/>
-              <a:t>2023/11/13</a:t>
+              <a:t>2023/11/14</a:t>
             </a:fld>
             <a:endParaRPr lang="zh-TW" altLang="en-US"/>
           </a:p>
@@ -2997,7 +3003,7 @@
           <a:p>
             <a:fld id="{669E44F6-2B28-46BC-9F9A-91A60247A190}" type="datetimeFigureOut">
               <a:rPr lang="zh-TW" altLang="en-US" smtClean="0"/>
-              <a:t>2023/11/13</a:t>
+              <a:t>2023/11/14</a:t>
             </a:fld>
             <a:endParaRPr lang="zh-TW" altLang="en-US"/>
           </a:p>
@@ -3284,7 +3290,7 @@
           <a:p>
             <a:fld id="{669E44F6-2B28-46BC-9F9A-91A60247A190}" type="datetimeFigureOut">
               <a:rPr lang="zh-TW" altLang="en-US" smtClean="0"/>
-              <a:t>2023/11/13</a:t>
+              <a:t>2023/11/14</a:t>
             </a:fld>
             <a:endParaRPr lang="zh-TW" altLang="en-US"/>
           </a:p>
@@ -6754,6 +6760,143 @@
 </p:sld>
 </file>
 
+<file path=ppt/slides/slide6.xml><?xml version="1.0" encoding="utf-8"?>
+<p:sld xmlns:a="http://schemas.openxmlformats.org/drawingml/2006/main" xmlns:r="http://schemas.openxmlformats.org/officeDocument/2006/relationships" xmlns:p="http://schemas.openxmlformats.org/presentationml/2006/main">
+  <p:cSld>
+    <p:spTree>
+      <p:nvGrpSpPr>
+        <p:cNvPr id="1" name=""/>
+        <p:cNvGrpSpPr/>
+        <p:nvPr/>
+      </p:nvGrpSpPr>
+      <p:grpSpPr>
+        <a:xfrm>
+          <a:off x="0" y="0"/>
+          <a:ext cx="0" cy="0"/>
+          <a:chOff x="0" y="0"/>
+          <a:chExt cx="0" cy="0"/>
+        </a:xfrm>
+      </p:grpSpPr>
+      <p:sp>
+        <p:nvSpPr>
+          <p:cNvPr id="2" name="標題 1">
+            <a:extLst>
+              <a:ext uri="{FF2B5EF4-FFF2-40B4-BE49-F238E27FC236}">
+                <a16:creationId xmlns:a16="http://schemas.microsoft.com/office/drawing/2014/main" id="{9C80C56C-0F73-4A8F-968A-213B1F813451}"/>
+              </a:ext>
+            </a:extLst>
+          </p:cNvPr>
+          <p:cNvSpPr>
+            <a:spLocks noGrp="1"/>
+          </p:cNvSpPr>
+          <p:nvPr>
+            <p:ph type="title"/>
+          </p:nvPr>
+        </p:nvSpPr>
+        <p:spPr/>
+        <p:txBody>
+          <a:bodyPr/>
+          <a:lstStyle/>
+          <a:p>
+            <a:r>
+              <a:rPr lang="zh-TW" altLang="en-US" dirty="0"/>
+              <a:t>推薦書本</a:t>
+            </a:r>
+          </a:p>
+        </p:txBody>
+      </p:sp>
+      <p:pic>
+        <p:nvPicPr>
+          <p:cNvPr id="1026" name="Picture 2" descr="演算法圖鑑：26種演算法+ 7種資料結構，人工智慧、數據分析、邏輯思考的原理和應用全圖解- 台灣金融研訓院金融廣場網路書店">
+            <a:extLst>
+              <a:ext uri="{FF2B5EF4-FFF2-40B4-BE49-F238E27FC236}">
+                <a16:creationId xmlns:a16="http://schemas.microsoft.com/office/drawing/2014/main" id="{1AC38119-9B62-4377-87A5-8B50DB8C09D0}"/>
+              </a:ext>
+            </a:extLst>
+          </p:cNvPr>
+          <p:cNvPicPr>
+            <a:picLocks noGrp="1" noChangeAspect="1" noChangeArrowheads="1"/>
+          </p:cNvPicPr>
+          <p:nvPr>
+            <p:ph idx="1"/>
+          </p:nvPr>
+        </p:nvPicPr>
+        <p:blipFill>
+          <a:blip r:embed="rId2">
+            <a:extLst>
+              <a:ext uri="{28A0092B-C50C-407E-A947-70E740481C1C}">
+                <a14:useLocalDpi xmlns:a14="http://schemas.microsoft.com/office/drawing/2010/main" val="0"/>
+              </a:ext>
+            </a:extLst>
+          </a:blip>
+          <a:srcRect/>
+          <a:stretch>
+            <a:fillRect/>
+          </a:stretch>
+        </p:blipFill>
+        <p:spPr bwMode="auto">
+          <a:xfrm>
+            <a:off x="1452387" y="1948979"/>
+            <a:ext cx="2873375" cy="4022725"/>
+          </a:xfrm>
+          <a:prstGeom prst="rect">
+            <a:avLst/>
+          </a:prstGeom>
+          <a:noFill/>
+          <a:extLst>
+            <a:ext uri="{909E8E84-426E-40DD-AFC4-6F175D3DCCD1}">
+              <a14:hiddenFill xmlns:a14="http://schemas.microsoft.com/office/drawing/2010/main">
+                <a:solidFill>
+                  <a:srgbClr val="FFFFFF"/>
+                </a:solidFill>
+              </a14:hiddenFill>
+            </a:ext>
+          </a:extLst>
+        </p:spPr>
+      </p:pic>
+      <p:pic>
+        <p:nvPicPr>
+          <p:cNvPr id="6" name="圖片 5">
+            <a:extLst>
+              <a:ext uri="{FF2B5EF4-FFF2-40B4-BE49-F238E27FC236}">
+                <a16:creationId xmlns:a16="http://schemas.microsoft.com/office/drawing/2014/main" id="{6D42CC68-4513-4651-ABE0-872A771F5217}"/>
+              </a:ext>
+            </a:extLst>
+          </p:cNvPr>
+          <p:cNvPicPr>
+            <a:picLocks noChangeAspect="1"/>
+          </p:cNvPicPr>
+          <p:nvPr/>
+        </p:nvPicPr>
+        <p:blipFill>
+          <a:blip r:embed="rId3"/>
+          <a:stretch>
+            <a:fillRect/>
+          </a:stretch>
+        </p:blipFill>
+        <p:spPr>
+          <a:xfrm>
+            <a:off x="5149048" y="1926163"/>
+            <a:ext cx="5320499" cy="4045541"/>
+          </a:xfrm>
+          <a:prstGeom prst="rect">
+            <a:avLst/>
+          </a:prstGeom>
+        </p:spPr>
+      </p:pic>
+    </p:spTree>
+    <p:extLst>
+      <p:ext uri="{BB962C8B-B14F-4D97-AF65-F5344CB8AC3E}">
+        <p14:creationId xmlns:p14="http://schemas.microsoft.com/office/powerpoint/2010/main" val="3454521230"/>
+      </p:ext>
+    </p:extLst>
+  </p:cSld>
+  <p:clrMapOvr>
+    <a:masterClrMapping/>
+  </p:clrMapOvr>
+</p:sld>
+</file>
+
 <file path=ppt/theme/theme1.xml><?xml version="1.0" encoding="utf-8"?>
 <a:theme xmlns:a="http://schemas.openxmlformats.org/drawingml/2006/main" name="回顧">
   <a:themeElements>
